--- a/assets/Professional Financial Reports with {rmarkdown}.pptx
+++ b/assets/Professional Financial Reports with {rmarkdown}.pptx
@@ -6,15 +6,17 @@
   </p:sldMasterIdLst>
   <p:sldIdLst>
     <p:sldId id="256" r:id="rId2"/>
-    <p:sldId id="257" r:id="rId3"/>
-    <p:sldId id="263" r:id="rId4"/>
-    <p:sldId id="258" r:id="rId5"/>
-    <p:sldId id="259" r:id="rId6"/>
-    <p:sldId id="260" r:id="rId7"/>
-    <p:sldId id="261" r:id="rId8"/>
-    <p:sldId id="262" r:id="rId9"/>
-    <p:sldId id="264" r:id="rId10"/>
-    <p:sldId id="265" r:id="rId11"/>
+    <p:sldId id="266" r:id="rId3"/>
+    <p:sldId id="267" r:id="rId4"/>
+    <p:sldId id="257" r:id="rId5"/>
+    <p:sldId id="263" r:id="rId6"/>
+    <p:sldId id="258" r:id="rId7"/>
+    <p:sldId id="259" r:id="rId8"/>
+    <p:sldId id="260" r:id="rId9"/>
+    <p:sldId id="261" r:id="rId10"/>
+    <p:sldId id="262" r:id="rId11"/>
+    <p:sldId id="264" r:id="rId12"/>
+    <p:sldId id="265" r:id="rId13"/>
   </p:sldIdLst>
   <p:sldSz cx="12192000" cy="6858000"/>
   <p:notesSz cx="6858000" cy="9144000"/>
@@ -113,6 +115,11 @@
       </a:defRPr>
     </a:lvl9pPr>
   </p:defaultTextStyle>
+  <p:extLst>
+    <p:ext uri="{EFAFB233-063F-42B5-8137-9DF3F51BA10A}">
+      <p15:sldGuideLst xmlns:p15="http://schemas.microsoft.com/office/powerpoint/2012/main"/>
+    </p:ext>
+  </p:extLst>
 </p:presentation>
 </file>
 
@@ -263,7 +270,7 @@
           <a:p>
             <a:fld id="{C67A21AC-AB4E-43C0-93C0-E64FC7DA1287}" type="datetimeFigureOut">
               <a:rPr lang="en-US" smtClean="0"/>
-              <a:t>11/25/2020</a:t>
+              <a:t>12/08/2020</a:t>
             </a:fld>
             <a:endParaRPr lang="en-US" dirty="0"/>
           </a:p>
@@ -461,7 +468,7 @@
           <a:p>
             <a:fld id="{C67A21AC-AB4E-43C0-93C0-E64FC7DA1287}" type="datetimeFigureOut">
               <a:rPr lang="en-US" smtClean="0"/>
-              <a:t>11/25/2020</a:t>
+              <a:t>12/08/2020</a:t>
             </a:fld>
             <a:endParaRPr lang="en-US" dirty="0"/>
           </a:p>
@@ -669,7 +676,7 @@
           <a:p>
             <a:fld id="{C67A21AC-AB4E-43C0-93C0-E64FC7DA1287}" type="datetimeFigureOut">
               <a:rPr lang="en-US" smtClean="0"/>
-              <a:t>11/25/2020</a:t>
+              <a:t>12/08/2020</a:t>
             </a:fld>
             <a:endParaRPr lang="en-US" dirty="0"/>
           </a:p>
@@ -867,7 +874,7 @@
           <a:p>
             <a:fld id="{C67A21AC-AB4E-43C0-93C0-E64FC7DA1287}" type="datetimeFigureOut">
               <a:rPr lang="en-US" smtClean="0"/>
-              <a:t>11/25/2020</a:t>
+              <a:t>12/08/2020</a:t>
             </a:fld>
             <a:endParaRPr lang="en-US" dirty="0"/>
           </a:p>
@@ -1142,7 +1149,7 @@
           <a:p>
             <a:fld id="{C67A21AC-AB4E-43C0-93C0-E64FC7DA1287}" type="datetimeFigureOut">
               <a:rPr lang="en-US" smtClean="0"/>
-              <a:t>11/25/2020</a:t>
+              <a:t>12/08/2020</a:t>
             </a:fld>
             <a:endParaRPr lang="en-US" dirty="0"/>
           </a:p>
@@ -1407,7 +1414,7 @@
           <a:p>
             <a:fld id="{C67A21AC-AB4E-43C0-93C0-E64FC7DA1287}" type="datetimeFigureOut">
               <a:rPr lang="en-US" smtClean="0"/>
-              <a:t>11/25/2020</a:t>
+              <a:t>12/08/2020</a:t>
             </a:fld>
             <a:endParaRPr lang="en-US" dirty="0"/>
           </a:p>
@@ -1819,7 +1826,7 @@
           <a:p>
             <a:fld id="{C67A21AC-AB4E-43C0-93C0-E64FC7DA1287}" type="datetimeFigureOut">
               <a:rPr lang="en-US" smtClean="0"/>
-              <a:t>11/25/2020</a:t>
+              <a:t>12/08/2020</a:t>
             </a:fld>
             <a:endParaRPr lang="en-US" dirty="0"/>
           </a:p>
@@ -1960,7 +1967,7 @@
           <a:p>
             <a:fld id="{C67A21AC-AB4E-43C0-93C0-E64FC7DA1287}" type="datetimeFigureOut">
               <a:rPr lang="en-US" smtClean="0"/>
-              <a:t>11/25/2020</a:t>
+              <a:t>12/08/2020</a:t>
             </a:fld>
             <a:endParaRPr lang="en-US" dirty="0"/>
           </a:p>
@@ -2073,7 +2080,7 @@
           <a:p>
             <a:fld id="{C67A21AC-AB4E-43C0-93C0-E64FC7DA1287}" type="datetimeFigureOut">
               <a:rPr lang="en-US" smtClean="0"/>
-              <a:t>11/25/2020</a:t>
+              <a:t>12/08/2020</a:t>
             </a:fld>
             <a:endParaRPr lang="en-US" dirty="0"/>
           </a:p>
@@ -2384,7 +2391,7 @@
           <a:p>
             <a:fld id="{C67A21AC-AB4E-43C0-93C0-E64FC7DA1287}" type="datetimeFigureOut">
               <a:rPr lang="en-US" smtClean="0"/>
-              <a:t>11/25/2020</a:t>
+              <a:t>12/08/2020</a:t>
             </a:fld>
             <a:endParaRPr lang="en-US" dirty="0"/>
           </a:p>
@@ -2672,7 +2679,7 @@
           <a:p>
             <a:fld id="{C67A21AC-AB4E-43C0-93C0-E64FC7DA1287}" type="datetimeFigureOut">
               <a:rPr lang="en-US" smtClean="0"/>
-              <a:t>11/25/2020</a:t>
+              <a:t>12/08/2020</a:t>
             </a:fld>
             <a:endParaRPr lang="en-US" dirty="0"/>
           </a:p>
@@ -2913,7 +2920,7 @@
           <a:p>
             <a:fld id="{C67A21AC-AB4E-43C0-93C0-E64FC7DA1287}" type="datetimeFigureOut">
               <a:rPr lang="en-US" smtClean="0"/>
-              <a:t>11/25/2020</a:t>
+              <a:t>12/08/2020</a:t>
             </a:fld>
             <a:endParaRPr lang="en-US" dirty="0"/>
           </a:p>
@@ -3413,9 +3420,12 @@
           </a:p>
           <a:p>
             <a:r>
-              <a:rPr lang="en-US" dirty="0"/>
+              <a:rPr lang="en-US" dirty="0">
+                <a:hlinkClick r:id="rId2"/>
+              </a:rPr>
               <a:t>Technistema.com</a:t>
             </a:r>
+            <a:endParaRPr lang="en-US" dirty="0"/>
           </a:p>
           <a:p>
             <a:r>
@@ -3428,7 +3438,7 @@
               <a:rPr lang="en-US" sz="1800" dirty="0">
                 <a:latin typeface="Fira Code" panose="020B0809050000020004" pitchFamily="49" charset="0"/>
                 <a:ea typeface="Fira Code" panose="020B0809050000020004" pitchFamily="49" charset="0"/>
-                <a:hlinkClick r:id="rId2"/>
+                <a:hlinkClick r:id="rId3"/>
               </a:rPr>
               <a:t>https://github.com/bradlindblad/pro_reports_talk</a:t>
             </a:r>
@@ -3469,6 +3479,138 @@
           <a:chExt cx="0" cy="0"/>
         </a:xfrm>
       </p:grpSpPr>
+      <p:pic>
+        <p:nvPicPr>
+          <p:cNvPr id="3" name="Picture 2">
+            <a:extLst>
+              <a:ext uri="{FF2B5EF4-FFF2-40B4-BE49-F238E27FC236}">
+                <a16:creationId xmlns:a16="http://schemas.microsoft.com/office/drawing/2014/main" id="{9D1D65C0-B6F0-4FAD-B543-4A6251E7D927}"/>
+              </a:ext>
+            </a:extLst>
+          </p:cNvPr>
+          <p:cNvPicPr>
+            <a:picLocks noChangeAspect="1"/>
+          </p:cNvPicPr>
+          <p:nvPr/>
+        </p:nvPicPr>
+        <p:blipFill>
+          <a:blip r:embed="rId2"/>
+          <a:stretch>
+            <a:fillRect/>
+          </a:stretch>
+        </p:blipFill>
+        <p:spPr>
+          <a:xfrm>
+            <a:off x="2002582" y="193901"/>
+            <a:ext cx="8186835" cy="6061407"/>
+          </a:xfrm>
+          <a:prstGeom prst="rect">
+            <a:avLst/>
+          </a:prstGeom>
+          <a:ln>
+            <a:noFill/>
+          </a:ln>
+          <a:effectLst>
+            <a:outerShdw blurRad="292100" dist="139700" dir="2700000" algn="tl" rotWithShape="0">
+              <a:srgbClr val="333333">
+                <a:alpha val="65000"/>
+              </a:srgbClr>
+            </a:outerShdw>
+          </a:effectLst>
+        </p:spPr>
+      </p:pic>
+    </p:spTree>
+    <p:extLst>
+      <p:ext uri="{BB962C8B-B14F-4D97-AF65-F5344CB8AC3E}">
+        <p14:creationId xmlns:p14="http://schemas.microsoft.com/office/powerpoint/2010/main" val="3612856484"/>
+      </p:ext>
+    </p:extLst>
+  </p:cSld>
+  <p:clrMapOvr>
+    <a:masterClrMapping/>
+  </p:clrMapOvr>
+</p:sld>
+</file>
+
+<file path=ppt/slides/slide11.xml><?xml version="1.0" encoding="utf-8"?>
+<p:sld xmlns:a="http://schemas.openxmlformats.org/drawingml/2006/main" xmlns:r="http://schemas.openxmlformats.org/officeDocument/2006/relationships" xmlns:p="http://schemas.openxmlformats.org/presentationml/2006/main">
+  <p:cSld>
+    <p:spTree>
+      <p:nvGrpSpPr>
+        <p:cNvPr id="1" name=""/>
+        <p:cNvGrpSpPr/>
+        <p:nvPr/>
+      </p:nvGrpSpPr>
+      <p:grpSpPr>
+        <a:xfrm>
+          <a:off x="0" y="0"/>
+          <a:ext cx="0" cy="0"/>
+          <a:chOff x="0" y="0"/>
+          <a:chExt cx="0" cy="0"/>
+        </a:xfrm>
+      </p:grpSpPr>
+      <p:pic>
+        <p:nvPicPr>
+          <p:cNvPr id="4" name="Content Placeholder 3">
+            <a:extLst>
+              <a:ext uri="{FF2B5EF4-FFF2-40B4-BE49-F238E27FC236}">
+                <a16:creationId xmlns:a16="http://schemas.microsoft.com/office/drawing/2014/main" id="{648E0CFB-EA5F-48C5-9F54-34FDBF15270B}"/>
+              </a:ext>
+            </a:extLst>
+          </p:cNvPr>
+          <p:cNvPicPr>
+            <a:picLocks noGrp="1" noChangeAspect="1"/>
+          </p:cNvPicPr>
+          <p:nvPr>
+            <p:ph idx="1"/>
+          </p:nvPr>
+        </p:nvPicPr>
+        <p:blipFill>
+          <a:blip r:embed="rId2"/>
+          <a:stretch>
+            <a:fillRect/>
+          </a:stretch>
+        </p:blipFill>
+        <p:spPr>
+          <a:xfrm>
+            <a:off x="1881059" y="459226"/>
+            <a:ext cx="8429881" cy="5416031"/>
+          </a:xfrm>
+          <a:prstGeom prst="rect">
+            <a:avLst/>
+          </a:prstGeom>
+        </p:spPr>
+      </p:pic>
+    </p:spTree>
+    <p:extLst>
+      <p:ext uri="{BB962C8B-B14F-4D97-AF65-F5344CB8AC3E}">
+        <p14:creationId xmlns:p14="http://schemas.microsoft.com/office/powerpoint/2010/main" val="1903322141"/>
+      </p:ext>
+    </p:extLst>
+  </p:cSld>
+  <p:clrMapOvr>
+    <a:masterClrMapping/>
+  </p:clrMapOvr>
+</p:sld>
+</file>
+
+<file path=ppt/slides/slide12.xml><?xml version="1.0" encoding="utf-8"?>
+<p:sld xmlns:a="http://schemas.openxmlformats.org/drawingml/2006/main" xmlns:r="http://schemas.openxmlformats.org/officeDocument/2006/relationships" xmlns:p="http://schemas.openxmlformats.org/presentationml/2006/main">
+  <p:cSld>
+    <p:spTree>
+      <p:nvGrpSpPr>
+        <p:cNvPr id="1" name=""/>
+        <p:cNvGrpSpPr/>
+        <p:nvPr/>
+      </p:nvGrpSpPr>
+      <p:grpSpPr>
+        <a:xfrm>
+          <a:off x="0" y="0"/>
+          <a:ext cx="0" cy="0"/>
+          <a:chOff x="0" y="0"/>
+          <a:chExt cx="0" cy="0"/>
+        </a:xfrm>
+      </p:grpSpPr>
       <p:sp>
         <p:nvSpPr>
           <p:cNvPr id="2" name="Title 1">
@@ -3524,6 +3666,24 @@
             </a:r>
           </a:p>
           <a:p>
+            <a:endParaRPr lang="en-US" dirty="0"/>
+          </a:p>
+          <a:p>
+            <a:pPr lvl="1"/>
+            <a:r>
+              <a:rPr lang="en-US" dirty="0"/>
+              <a:t>Fork the repo </a:t>
+            </a:r>
+            <a:r>
+              <a:rPr lang="en-US" dirty="0">
+                <a:hlinkClick r:id="rId2"/>
+              </a:rPr>
+              <a:t>https://github.com/bradlindblad/pro_reports_talk</a:t>
+            </a:r>
+            <a:endParaRPr lang="en-US" dirty="0"/>
+          </a:p>
+          <a:p>
+            <a:pPr lvl="1"/>
             <a:endParaRPr lang="en-US" dirty="0"/>
           </a:p>
           <a:p>
@@ -3575,6 +3735,538 @@
 </file>
 
 <file path=ppt/slides/slide2.xml><?xml version="1.0" encoding="utf-8"?>
+<p:sld xmlns:a="http://schemas.openxmlformats.org/drawingml/2006/main" xmlns:r="http://schemas.openxmlformats.org/officeDocument/2006/relationships" xmlns:p="http://schemas.openxmlformats.org/presentationml/2006/main">
+  <p:cSld>
+    <p:spTree>
+      <p:nvGrpSpPr>
+        <p:cNvPr id="1" name=""/>
+        <p:cNvGrpSpPr/>
+        <p:nvPr/>
+      </p:nvGrpSpPr>
+      <p:grpSpPr>
+        <a:xfrm>
+          <a:off x="0" y="0"/>
+          <a:ext cx="0" cy="0"/>
+          <a:chOff x="0" y="0"/>
+          <a:chExt cx="0" cy="0"/>
+        </a:xfrm>
+      </p:grpSpPr>
+      <p:sp>
+        <p:nvSpPr>
+          <p:cNvPr id="2" name="Title 1">
+            <a:extLst>
+              <a:ext uri="{FF2B5EF4-FFF2-40B4-BE49-F238E27FC236}">
+                <a16:creationId xmlns:a16="http://schemas.microsoft.com/office/drawing/2014/main" id="{462F793D-A431-4CC9-AA0C-D1649A203BB0}"/>
+              </a:ext>
+            </a:extLst>
+          </p:cNvPr>
+          <p:cNvSpPr>
+            <a:spLocks noGrp="1"/>
+          </p:cNvSpPr>
+          <p:nvPr>
+            <p:ph type="title"/>
+          </p:nvPr>
+        </p:nvSpPr>
+        <p:spPr/>
+        <p:txBody>
+          <a:bodyPr/>
+          <a:lstStyle/>
+          <a:p>
+            <a:r>
+              <a:rPr lang="en-US" dirty="0"/>
+              <a:t>About me</a:t>
+            </a:r>
+          </a:p>
+        </p:txBody>
+      </p:sp>
+      <p:pic>
+        <p:nvPicPr>
+          <p:cNvPr id="1026" name="Picture 2">
+            <a:extLst>
+              <a:ext uri="{FF2B5EF4-FFF2-40B4-BE49-F238E27FC236}">
+                <a16:creationId xmlns:a16="http://schemas.microsoft.com/office/drawing/2014/main" id="{4100CE1F-9AE5-44B1-B0D7-AE1392697623}"/>
+              </a:ext>
+            </a:extLst>
+          </p:cNvPr>
+          <p:cNvPicPr>
+            <a:picLocks noGrp="1" noChangeAspect="1" noChangeArrowheads="1"/>
+          </p:cNvPicPr>
+          <p:nvPr>
+            <p:ph idx="1"/>
+          </p:nvPr>
+        </p:nvPicPr>
+        <p:blipFill>
+          <a:blip r:embed="rId2">
+            <a:extLst>
+              <a:ext uri="{28A0092B-C50C-407E-A947-70E740481C1C}">
+                <a14:useLocalDpi xmlns:a14="http://schemas.microsoft.com/office/drawing/2010/main" val="0"/>
+              </a:ext>
+            </a:extLst>
+          </a:blip>
+          <a:srcRect/>
+          <a:stretch>
+            <a:fillRect/>
+          </a:stretch>
+        </p:blipFill>
+        <p:spPr bwMode="auto">
+          <a:xfrm>
+            <a:off x="7631139" y="737186"/>
+            <a:ext cx="2831453" cy="2831453"/>
+          </a:xfrm>
+          <a:prstGeom prst="rect">
+            <a:avLst/>
+          </a:prstGeom>
+          <a:noFill/>
+          <a:extLst>
+            <a:ext uri="{909E8E84-426E-40DD-AFC4-6F175D3DCCD1}">
+              <a14:hiddenFill xmlns:a14="http://schemas.microsoft.com/office/drawing/2010/main">
+                <a:solidFill>
+                  <a:srgbClr val="FFFFFF"/>
+                </a:solidFill>
+              </a14:hiddenFill>
+            </a:ext>
+          </a:extLst>
+        </p:spPr>
+      </p:pic>
+      <p:pic>
+        <p:nvPicPr>
+          <p:cNvPr id="1028" name="Picture 4">
+            <a:extLst>
+              <a:ext uri="{FF2B5EF4-FFF2-40B4-BE49-F238E27FC236}">
+                <a16:creationId xmlns:a16="http://schemas.microsoft.com/office/drawing/2014/main" id="{E238621F-B744-4D5E-B4F4-1250C9AA72CF}"/>
+              </a:ext>
+            </a:extLst>
+          </p:cNvPr>
+          <p:cNvPicPr>
+            <a:picLocks noChangeAspect="1" noChangeArrowheads="1"/>
+          </p:cNvPicPr>
+          <p:nvPr/>
+        </p:nvPicPr>
+        <p:blipFill>
+          <a:blip r:embed="rId3">
+            <a:extLst>
+              <a:ext uri="{28A0092B-C50C-407E-A947-70E740481C1C}">
+                <a14:useLocalDpi xmlns:a14="http://schemas.microsoft.com/office/drawing/2010/main" val="0"/>
+              </a:ext>
+            </a:extLst>
+          </a:blip>
+          <a:srcRect/>
+          <a:stretch>
+            <a:fillRect/>
+          </a:stretch>
+        </p:blipFill>
+        <p:spPr bwMode="auto">
+          <a:xfrm>
+            <a:off x="3045616" y="801429"/>
+            <a:ext cx="2831453" cy="2831453"/>
+          </a:xfrm>
+          <a:prstGeom prst="rect">
+            <a:avLst/>
+          </a:prstGeom>
+          <a:noFill/>
+          <a:extLst>
+            <a:ext uri="{909E8E84-426E-40DD-AFC4-6F175D3DCCD1}">
+              <a14:hiddenFill xmlns:a14="http://schemas.microsoft.com/office/drawing/2010/main">
+                <a:solidFill>
+                  <a:srgbClr val="FFFFFF"/>
+                </a:solidFill>
+              </a14:hiddenFill>
+            </a:ext>
+          </a:extLst>
+        </p:spPr>
+      </p:pic>
+      <p:pic>
+        <p:nvPicPr>
+          <p:cNvPr id="1030" name="Picture 6">
+            <a:extLst>
+              <a:ext uri="{FF2B5EF4-FFF2-40B4-BE49-F238E27FC236}">
+                <a16:creationId xmlns:a16="http://schemas.microsoft.com/office/drawing/2014/main" id="{4A8F181B-B6DC-4F46-84EA-C891537E4928}"/>
+              </a:ext>
+            </a:extLst>
+          </p:cNvPr>
+          <p:cNvPicPr>
+            <a:picLocks noChangeAspect="1" noChangeArrowheads="1"/>
+          </p:cNvPicPr>
+          <p:nvPr/>
+        </p:nvPicPr>
+        <p:blipFill>
+          <a:blip r:embed="rId4">
+            <a:extLst>
+              <a:ext uri="{28A0092B-C50C-407E-A947-70E740481C1C}">
+                <a14:useLocalDpi xmlns:a14="http://schemas.microsoft.com/office/drawing/2010/main" val="0"/>
+              </a:ext>
+            </a:extLst>
+          </a:blip>
+          <a:srcRect/>
+          <a:stretch>
+            <a:fillRect/>
+          </a:stretch>
+        </p:blipFill>
+        <p:spPr bwMode="auto">
+          <a:xfrm>
+            <a:off x="2559778" y="3926370"/>
+            <a:ext cx="4247964" cy="2630747"/>
+          </a:xfrm>
+          <a:prstGeom prst="rect">
+            <a:avLst/>
+          </a:prstGeom>
+          <a:noFill/>
+          <a:extLst>
+            <a:ext uri="{909E8E84-426E-40DD-AFC4-6F175D3DCCD1}">
+              <a14:hiddenFill xmlns:a14="http://schemas.microsoft.com/office/drawing/2010/main">
+                <a:solidFill>
+                  <a:srgbClr val="FFFFFF"/>
+                </a:solidFill>
+              </a14:hiddenFill>
+            </a:ext>
+          </a:extLst>
+        </p:spPr>
+      </p:pic>
+      <p:cxnSp>
+        <p:nvCxnSpPr>
+          <p:cNvPr id="5" name="Straight Arrow Connector 4">
+            <a:extLst>
+              <a:ext uri="{FF2B5EF4-FFF2-40B4-BE49-F238E27FC236}">
+                <a16:creationId xmlns:a16="http://schemas.microsoft.com/office/drawing/2014/main" id="{A6F84612-3ABA-474E-B525-E08EEC155441}"/>
+              </a:ext>
+            </a:extLst>
+          </p:cNvPr>
+          <p:cNvCxnSpPr/>
+          <p:nvPr/>
+        </p:nvCxnSpPr>
+        <p:spPr>
+          <a:xfrm>
+            <a:off x="4461342" y="3465850"/>
+            <a:ext cx="0" cy="447869"/>
+          </a:xfrm>
+          <a:prstGeom prst="straightConnector1">
+            <a:avLst/>
+          </a:prstGeom>
+          <a:ln>
+            <a:tailEnd type="triangle"/>
+          </a:ln>
+        </p:spPr>
+        <p:style>
+          <a:lnRef idx="1">
+            <a:schemeClr val="accent1"/>
+          </a:lnRef>
+          <a:fillRef idx="0">
+            <a:schemeClr val="accent1"/>
+          </a:fillRef>
+          <a:effectRef idx="0">
+            <a:schemeClr val="accent1"/>
+          </a:effectRef>
+          <a:fontRef idx="minor">
+            <a:schemeClr val="tx1"/>
+          </a:fontRef>
+        </p:style>
+      </p:cxnSp>
+      <p:cxnSp>
+        <p:nvCxnSpPr>
+          <p:cNvPr id="9" name="Straight Arrow Connector 8">
+            <a:extLst>
+              <a:ext uri="{FF2B5EF4-FFF2-40B4-BE49-F238E27FC236}">
+                <a16:creationId xmlns:a16="http://schemas.microsoft.com/office/drawing/2014/main" id="{6408EE50-8D0E-4BB2-9F34-09CC90D40F3A}"/>
+              </a:ext>
+            </a:extLst>
+          </p:cNvPr>
+          <p:cNvCxnSpPr/>
+          <p:nvPr/>
+        </p:nvCxnSpPr>
+        <p:spPr>
+          <a:xfrm>
+            <a:off x="9046865" y="3372768"/>
+            <a:ext cx="0" cy="447869"/>
+          </a:xfrm>
+          <a:prstGeom prst="straightConnector1">
+            <a:avLst/>
+          </a:prstGeom>
+          <a:ln>
+            <a:tailEnd type="triangle"/>
+          </a:ln>
+        </p:spPr>
+        <p:style>
+          <a:lnRef idx="1">
+            <a:schemeClr val="accent1"/>
+          </a:lnRef>
+          <a:fillRef idx="0">
+            <a:schemeClr val="accent1"/>
+          </a:fillRef>
+          <a:effectRef idx="0">
+            <a:schemeClr val="accent1"/>
+          </a:effectRef>
+          <a:fontRef idx="minor">
+            <a:schemeClr val="tx1"/>
+          </a:fontRef>
+        </p:style>
+      </p:cxnSp>
+      <p:pic>
+        <p:nvPicPr>
+          <p:cNvPr id="1032" name="Picture 8" descr="logo">
+            <a:extLst>
+              <a:ext uri="{FF2B5EF4-FFF2-40B4-BE49-F238E27FC236}">
+                <a16:creationId xmlns:a16="http://schemas.microsoft.com/office/drawing/2014/main" id="{4118F78B-AB92-4384-85EB-0C8A5F4893D0}"/>
+              </a:ext>
+            </a:extLst>
+          </p:cNvPr>
+          <p:cNvPicPr>
+            <a:picLocks noChangeAspect="1" noChangeArrowheads="1"/>
+          </p:cNvPicPr>
+          <p:nvPr/>
+        </p:nvPicPr>
+        <p:blipFill>
+          <a:blip r:embed="rId5">
+            <a:extLst>
+              <a:ext uri="{28A0092B-C50C-407E-A947-70E740481C1C}">
+                <a14:useLocalDpi xmlns:a14="http://schemas.microsoft.com/office/drawing/2010/main" val="0"/>
+              </a:ext>
+            </a:extLst>
+          </a:blip>
+          <a:srcRect/>
+          <a:stretch>
+            <a:fillRect/>
+          </a:stretch>
+        </p:blipFill>
+        <p:spPr bwMode="auto">
+          <a:xfrm>
+            <a:off x="10232309" y="2217156"/>
+            <a:ext cx="1591581" cy="657983"/>
+          </a:xfrm>
+          <a:prstGeom prst="rect">
+            <a:avLst/>
+          </a:prstGeom>
+          <a:noFill/>
+          <a:extLst>
+            <a:ext uri="{909E8E84-426E-40DD-AFC4-6F175D3DCCD1}">
+              <a14:hiddenFill xmlns:a14="http://schemas.microsoft.com/office/drawing/2010/main">
+                <a:solidFill>
+                  <a:srgbClr val="FFFFFF"/>
+                </a:solidFill>
+              </a14:hiddenFill>
+            </a:ext>
+          </a:extLst>
+        </p:spPr>
+      </p:pic>
+      <p:pic>
+        <p:nvPicPr>
+          <p:cNvPr id="1034" name="Picture 10">
+            <a:extLst>
+              <a:ext uri="{FF2B5EF4-FFF2-40B4-BE49-F238E27FC236}">
+                <a16:creationId xmlns:a16="http://schemas.microsoft.com/office/drawing/2014/main" id="{9F70AFEC-C703-4DFC-A992-0FD1698F5D02}"/>
+              </a:ext>
+            </a:extLst>
+          </p:cNvPr>
+          <p:cNvPicPr>
+            <a:picLocks noChangeAspect="1" noChangeArrowheads="1"/>
+          </p:cNvPicPr>
+          <p:nvPr/>
+        </p:nvPicPr>
+        <p:blipFill>
+          <a:blip r:embed="rId6">
+            <a:extLst>
+              <a:ext uri="{28A0092B-C50C-407E-A947-70E740481C1C}">
+                <a14:useLocalDpi xmlns:a14="http://schemas.microsoft.com/office/drawing/2010/main" val="0"/>
+              </a:ext>
+            </a:extLst>
+          </a:blip>
+          <a:srcRect/>
+          <a:stretch>
+            <a:fillRect/>
+          </a:stretch>
+        </p:blipFill>
+        <p:spPr bwMode="auto">
+          <a:xfrm>
+            <a:off x="10415718" y="2760385"/>
+            <a:ext cx="1224765" cy="1224765"/>
+          </a:xfrm>
+          <a:prstGeom prst="rect">
+            <a:avLst/>
+          </a:prstGeom>
+          <a:noFill/>
+          <a:extLst>
+            <a:ext uri="{909E8E84-426E-40DD-AFC4-6F175D3DCCD1}">
+              <a14:hiddenFill xmlns:a14="http://schemas.microsoft.com/office/drawing/2010/main">
+                <a:solidFill>
+                  <a:srgbClr val="FFFFFF"/>
+                </a:solidFill>
+              </a14:hiddenFill>
+            </a:ext>
+          </a:extLst>
+        </p:spPr>
+      </p:pic>
+      <p:pic>
+        <p:nvPicPr>
+          <p:cNvPr id="6" name="Picture 5">
+            <a:extLst>
+              <a:ext uri="{FF2B5EF4-FFF2-40B4-BE49-F238E27FC236}">
+                <a16:creationId xmlns:a16="http://schemas.microsoft.com/office/drawing/2014/main" id="{24EBA19A-0DB4-4EC7-AE1B-04195D82854B}"/>
+              </a:ext>
+            </a:extLst>
+          </p:cNvPr>
+          <p:cNvPicPr>
+            <a:picLocks noChangeAspect="1"/>
+          </p:cNvPicPr>
+          <p:nvPr/>
+        </p:nvPicPr>
+        <p:blipFill>
+          <a:blip r:embed="rId7"/>
+          <a:stretch>
+            <a:fillRect/>
+          </a:stretch>
+        </p:blipFill>
+        <p:spPr>
+          <a:xfrm>
+            <a:off x="7248089" y="4095107"/>
+            <a:ext cx="4188900" cy="2333816"/>
+          </a:xfrm>
+          <a:prstGeom prst="rect">
+            <a:avLst/>
+          </a:prstGeom>
+          <a:ln>
+            <a:noFill/>
+          </a:ln>
+          <a:effectLst>
+            <a:outerShdw blurRad="292100" dist="139700" dir="2700000" algn="tl" rotWithShape="0">
+              <a:srgbClr val="333333">
+                <a:alpha val="65000"/>
+              </a:srgbClr>
+            </a:outerShdw>
+          </a:effectLst>
+        </p:spPr>
+      </p:pic>
+      <p:sp>
+        <p:nvSpPr>
+          <p:cNvPr id="7" name="TextBox 6">
+            <a:extLst>
+              <a:ext uri="{FF2B5EF4-FFF2-40B4-BE49-F238E27FC236}">
+                <a16:creationId xmlns:a16="http://schemas.microsoft.com/office/drawing/2014/main" id="{A9B96D4F-CF48-43E9-BE37-6A92CB9FDA97}"/>
+              </a:ext>
+            </a:extLst>
+          </p:cNvPr>
+          <p:cNvSpPr txBox="1"/>
+          <p:nvPr/>
+        </p:nvSpPr>
+        <p:spPr>
+          <a:xfrm>
+            <a:off x="10407548" y="6420051"/>
+            <a:ext cx="1892503" cy="307777"/>
+          </a:xfrm>
+          <a:prstGeom prst="rect">
+            <a:avLst/>
+          </a:prstGeom>
+          <a:noFill/>
+        </p:spPr>
+        <p:txBody>
+          <a:bodyPr wrap="square" rtlCol="0">
+            <a:spAutoFit/>
+          </a:bodyPr>
+          <a:lstStyle/>
+          <a:p>
+            <a:r>
+              <a:rPr lang="en-US" sz="1400" dirty="0"/>
+              <a:t>@</a:t>
+            </a:r>
+            <a:r>
+              <a:rPr lang="en-US" sz="1400" dirty="0" err="1"/>
+              <a:t>ryantimpe</a:t>
+            </a:r>
+            <a:endParaRPr lang="en-US" sz="1400" dirty="0"/>
+          </a:p>
+        </p:txBody>
+      </p:sp>
+    </p:spTree>
+    <p:extLst>
+      <p:ext uri="{BB962C8B-B14F-4D97-AF65-F5344CB8AC3E}">
+        <p14:creationId xmlns:p14="http://schemas.microsoft.com/office/powerpoint/2010/main" val="2012465985"/>
+      </p:ext>
+    </p:extLst>
+  </p:cSld>
+  <p:clrMapOvr>
+    <a:masterClrMapping/>
+  </p:clrMapOvr>
+</p:sld>
+</file>
+
+<file path=ppt/slides/slide3.xml><?xml version="1.0" encoding="utf-8"?>
+<p:sld xmlns:a="http://schemas.openxmlformats.org/drawingml/2006/main" xmlns:r="http://schemas.openxmlformats.org/officeDocument/2006/relationships" xmlns:p="http://schemas.openxmlformats.org/presentationml/2006/main">
+  <p:cSld>
+    <p:spTree>
+      <p:nvGrpSpPr>
+        <p:cNvPr id="1" name=""/>
+        <p:cNvGrpSpPr/>
+        <p:nvPr/>
+      </p:nvGrpSpPr>
+      <p:grpSpPr>
+        <a:xfrm>
+          <a:off x="0" y="0"/>
+          <a:ext cx="0" cy="0"/>
+          <a:chOff x="0" y="0"/>
+          <a:chExt cx="0" cy="0"/>
+        </a:xfrm>
+      </p:grpSpPr>
+      <p:pic>
+        <p:nvPicPr>
+          <p:cNvPr id="2050" name="Picture 2" descr="hero">
+            <a:extLst>
+              <a:ext uri="{FF2B5EF4-FFF2-40B4-BE49-F238E27FC236}">
+                <a16:creationId xmlns:a16="http://schemas.microsoft.com/office/drawing/2014/main" id="{F39900A7-5A1D-4DA6-BF5D-84EE00EDAD07}"/>
+              </a:ext>
+            </a:extLst>
+          </p:cNvPr>
+          <p:cNvPicPr>
+            <a:picLocks noGrp="1" noChangeAspect="1" noChangeArrowheads="1"/>
+          </p:cNvPicPr>
+          <p:nvPr>
+            <p:ph idx="1"/>
+          </p:nvPr>
+        </p:nvPicPr>
+        <p:blipFill>
+          <a:blip r:embed="rId2">
+            <a:extLst>
+              <a:ext uri="{28A0092B-C50C-407E-A947-70E740481C1C}">
+                <a14:useLocalDpi xmlns:a14="http://schemas.microsoft.com/office/drawing/2010/main" val="0"/>
+              </a:ext>
+            </a:extLst>
+          </a:blip>
+          <a:srcRect/>
+          <a:stretch>
+            <a:fillRect/>
+          </a:stretch>
+        </p:blipFill>
+        <p:spPr bwMode="auto">
+          <a:xfrm>
+            <a:off x="1623527" y="365125"/>
+            <a:ext cx="8560047" cy="6255420"/>
+          </a:xfrm>
+          <a:prstGeom prst="rect">
+            <a:avLst/>
+          </a:prstGeom>
+          <a:noFill/>
+          <a:extLst>
+            <a:ext uri="{909E8E84-426E-40DD-AFC4-6F175D3DCCD1}">
+              <a14:hiddenFill xmlns:a14="http://schemas.microsoft.com/office/drawing/2010/main">
+                <a:solidFill>
+                  <a:srgbClr val="FFFFFF"/>
+                </a:solidFill>
+              </a14:hiddenFill>
+            </a:ext>
+          </a:extLst>
+        </p:spPr>
+      </p:pic>
+    </p:spTree>
+    <p:extLst>
+      <p:ext uri="{BB962C8B-B14F-4D97-AF65-F5344CB8AC3E}">
+        <p14:creationId xmlns:p14="http://schemas.microsoft.com/office/powerpoint/2010/main" val="1809245150"/>
+      </p:ext>
+    </p:extLst>
+  </p:cSld>
+  <p:clrMapOvr>
+    <a:masterClrMapping/>
+  </p:clrMapOvr>
+</p:sld>
+</file>
+
+<file path=ppt/slides/slide4.xml><?xml version="1.0" encoding="utf-8"?>
 <p:sld xmlns:a="http://schemas.openxmlformats.org/drawingml/2006/main" xmlns:r="http://schemas.openxmlformats.org/officeDocument/2006/relationships" xmlns:p="http://schemas.openxmlformats.org/presentationml/2006/main">
   <p:cSld>
     <p:spTree>
@@ -3754,7 +4446,7 @@
 </p:sld>
 </file>
 
-<file path=ppt/slides/slide3.xml><?xml version="1.0" encoding="utf-8"?>
+<file path=ppt/slides/slide5.xml><?xml version="1.0" encoding="utf-8"?>
 <p:sld xmlns:a="http://schemas.openxmlformats.org/drawingml/2006/main" xmlns:r="http://schemas.openxmlformats.org/officeDocument/2006/relationships" xmlns:p="http://schemas.openxmlformats.org/presentationml/2006/main">
   <p:cSld>
     <p:spTree>
@@ -3817,66 +4509,74 @@
         </p:nvSpPr>
         <p:spPr/>
         <p:txBody>
-          <a:bodyPr/>
-          <a:lstStyle/>
-          <a:p>
-            <a:r>
-              <a:rPr lang="en-US" dirty="0" err="1"/>
+          <a:bodyPr>
+            <a:normAutofit lnSpcReduction="10000"/>
+          </a:bodyPr>
+          <a:lstStyle/>
+          <a:p>
+            <a:r>
+              <a:rPr lang="en-US" sz="2400" dirty="0" err="1"/>
               <a:t>Rmarkdown</a:t>
             </a:r>
             <a:r>
-              <a:rPr lang="en-US" dirty="0"/>
+              <a:rPr lang="en-US" sz="2400" dirty="0"/>
               <a:t> / </a:t>
             </a:r>
             <a:r>
-              <a:rPr lang="en-US" dirty="0" err="1"/>
+              <a:rPr lang="en-US" sz="2400" dirty="0" err="1"/>
               <a:t>pandoc</a:t>
             </a:r>
             <a:r>
-              <a:rPr lang="en-US" dirty="0"/>
+              <a:rPr lang="en-US" sz="2400" dirty="0"/>
               <a:t> / </a:t>
             </a:r>
             <a:r>
-              <a:rPr lang="en-US" dirty="0" err="1"/>
+              <a:rPr lang="en-US" sz="2400" dirty="0" err="1"/>
               <a:t>TeX</a:t>
             </a:r>
             <a:r>
-              <a:rPr lang="en-US" dirty="0"/>
+              <a:rPr lang="en-US" sz="2400" dirty="0"/>
               <a:t> can cause pain</a:t>
             </a:r>
           </a:p>
           <a:p>
-            <a:endParaRPr lang="en-US" dirty="0"/>
-          </a:p>
-          <a:p>
-            <a:r>
-              <a:rPr lang="en-US" dirty="0"/>
+            <a:endParaRPr lang="en-US" sz="2400" dirty="0"/>
+          </a:p>
+          <a:p>
+            <a:r>
+              <a:rPr lang="en-US" sz="2000" dirty="0"/>
               <a:t>Use {</a:t>
             </a:r>
             <a:r>
-              <a:rPr lang="en-US" dirty="0" err="1"/>
+              <a:rPr lang="en-US" sz="2000" dirty="0" err="1"/>
               <a:t>renv</a:t>
             </a:r>
             <a:r>
-              <a:rPr lang="en-US" dirty="0"/>
+              <a:rPr lang="en-US" sz="2000" dirty="0"/>
               <a:t>} :      </a:t>
             </a:r>
             <a:r>
-              <a:rPr lang="en-US" dirty="0">
+              <a:rPr lang="en-US" sz="2000" dirty="0">
                 <a:latin typeface="Fira Code" panose="020B0809050000020004" pitchFamily="49" charset="0"/>
                 <a:ea typeface="Fira Code" panose="020B0809050000020004" pitchFamily="49" charset="0"/>
               </a:rPr>
               <a:t>&gt; </a:t>
             </a:r>
             <a:r>
-              <a:rPr lang="en-US" dirty="0" err="1">
+              <a:rPr lang="en-US" sz="2000" dirty="0" err="1">
+                <a:solidFill>
+                  <a:srgbClr val="00B0F0"/>
+                </a:solidFill>
                 <a:latin typeface="Fira Code" panose="020B0809050000020004" pitchFamily="49" charset="0"/>
                 <a:ea typeface="Fira Code" panose="020B0809050000020004" pitchFamily="49" charset="0"/>
               </a:rPr>
               <a:t>renv</a:t>
             </a:r>
             <a:r>
-              <a:rPr lang="en-US" dirty="0">
+              <a:rPr lang="en-US" sz="2000" dirty="0">
+                <a:solidFill>
+                  <a:srgbClr val="00B0F0"/>
+                </a:solidFill>
                 <a:latin typeface="Fira Code" panose="020B0809050000020004" pitchFamily="49" charset="0"/>
                 <a:ea typeface="Fira Code" panose="020B0809050000020004" pitchFamily="49" charset="0"/>
               </a:rPr>
@@ -3884,14 +4584,102 @@
             </a:r>
           </a:p>
           <a:p>
-            <a:endParaRPr lang="en-US" dirty="0">
+            <a:r>
+              <a:rPr lang="en-US" sz="2000" dirty="0">
+                <a:latin typeface="Fira Code" pitchFamily="49"/>
+                <a:ea typeface="Fira Code" pitchFamily="82"/>
+              </a:rPr>
+              <a:t>Potentially, &gt; </a:t>
+            </a:r>
+            <a:r>
+              <a:rPr lang="en-US" sz="2000" dirty="0" err="1">
+                <a:solidFill>
+                  <a:srgbClr val="00B0F0"/>
+                </a:solidFill>
+                <a:latin typeface="Fira Code" panose="020B0809050000020004" pitchFamily="49" charset="0"/>
+                <a:ea typeface="Fira Code" panose="020B0809050000020004" pitchFamily="49" charset="0"/>
+              </a:rPr>
+              <a:t>tinytex</a:t>
+            </a:r>
+            <a:r>
+              <a:rPr lang="en-US" sz="2000" dirty="0">
+                <a:solidFill>
+                  <a:srgbClr val="00B0F0"/>
+                </a:solidFill>
+                <a:latin typeface="Fira Code" panose="020B0809050000020004" pitchFamily="49" charset="0"/>
+                <a:ea typeface="Fira Code" panose="020B0809050000020004" pitchFamily="49" charset="0"/>
+              </a:rPr>
+              <a:t>::</a:t>
+            </a:r>
+            <a:r>
+              <a:rPr lang="en-US" sz="2000" dirty="0" err="1">
+                <a:solidFill>
+                  <a:srgbClr val="00B0F0"/>
+                </a:solidFill>
+                <a:latin typeface="Fira Code" panose="020B0809050000020004" pitchFamily="49" charset="0"/>
+                <a:ea typeface="Fira Code" panose="020B0809050000020004" pitchFamily="49" charset="0"/>
+              </a:rPr>
+              <a:t>reinstall_tinytex</a:t>
+            </a:r>
+            <a:r>
+              <a:rPr lang="en-US" sz="2000" dirty="0">
+                <a:solidFill>
+                  <a:srgbClr val="00B0F0"/>
+                </a:solidFill>
+                <a:latin typeface="Fira Code" panose="020B0809050000020004" pitchFamily="49" charset="0"/>
+                <a:ea typeface="Fira Code" panose="020B0809050000020004" pitchFamily="49" charset="0"/>
+              </a:rPr>
+              <a:t>()</a:t>
+            </a:r>
+          </a:p>
+          <a:p>
+            <a:r>
+              <a:rPr lang="en-US" sz="2000" dirty="0">
+                <a:latin typeface="Fira Code" pitchFamily="49"/>
+                <a:ea typeface="Fira Code" pitchFamily="82"/>
+              </a:rPr>
+              <a:t>More troubleshooting at the </a:t>
+            </a:r>
+            <a:r>
+              <a:rPr lang="en-US" sz="2000" dirty="0" err="1">
+                <a:latin typeface="Fira Code" pitchFamily="49"/>
+                <a:ea typeface="Fira Code" pitchFamily="82"/>
+              </a:rPr>
+              <a:t>Github</a:t>
+            </a:r>
+            <a:r>
+              <a:rPr lang="en-US" sz="2000" dirty="0">
+                <a:latin typeface="Fira Code" pitchFamily="49"/>
+                <a:ea typeface="Fira Code" pitchFamily="82"/>
+              </a:rPr>
+              <a:t> README</a:t>
+            </a:r>
+            <a:endParaRPr lang="en-US" sz="2000" dirty="0">
+              <a:solidFill>
+                <a:srgbClr val="00B0F0"/>
+              </a:solidFill>
               <a:latin typeface="Fira Code" panose="020B0809050000020004" pitchFamily="49" charset="0"/>
               <a:ea typeface="Fira Code" panose="020B0809050000020004" pitchFamily="49" charset="0"/>
             </a:endParaRPr>
           </a:p>
           <a:p>
-            <a:r>
-              <a:rPr lang="en-US" dirty="0">
+            <a:endParaRPr lang="en-US" sz="2400" dirty="0">
+              <a:solidFill>
+                <a:srgbClr val="00B0F0"/>
+              </a:solidFill>
+              <a:latin typeface="Fira Code" panose="020B0809050000020004" pitchFamily="49" charset="0"/>
+              <a:ea typeface="Fira Code" panose="020B0809050000020004" pitchFamily="49" charset="0"/>
+            </a:endParaRPr>
+          </a:p>
+          <a:p>
+            <a:endParaRPr lang="en-US" sz="2400" dirty="0">
+              <a:latin typeface="Fira Code" panose="020B0809050000020004" pitchFamily="49" charset="0"/>
+              <a:ea typeface="Fira Code" panose="020B0809050000020004" pitchFamily="49" charset="0"/>
+            </a:endParaRPr>
+          </a:p>
+          <a:p>
+            <a:r>
+              <a:rPr lang="en-US" sz="2400" dirty="0">
                 <a:latin typeface="Fira Code" panose="020B0809050000020004" pitchFamily="49" charset="0"/>
                 <a:ea typeface="Fira Code" panose="020B0809050000020004" pitchFamily="49" charset="0"/>
               </a:rPr>
@@ -3901,41 +4689,41 @@
           <a:p>
             <a:pPr lvl="1"/>
             <a:r>
-              <a:rPr lang="en-US" dirty="0">
+              <a:rPr lang="en-US" sz="2000" dirty="0">
                 <a:latin typeface="Fira Code" panose="020B0809050000020004" pitchFamily="49" charset="0"/>
                 <a:ea typeface="Fira Code" panose="020B0809050000020004" pitchFamily="49" charset="0"/>
               </a:rPr>
-              <a:t>Windows 10 (easiest)</a:t>
+              <a:t>Windows 10 </a:t>
             </a:r>
           </a:p>
           <a:p>
             <a:pPr lvl="1"/>
             <a:r>
-              <a:rPr lang="en-US" dirty="0">
+              <a:rPr lang="en-US" sz="2000" dirty="0">
                 <a:latin typeface="Fira Code" panose="020B0809050000020004" pitchFamily="49" charset="0"/>
                 <a:ea typeface="Fira Code" panose="020B0809050000020004" pitchFamily="49" charset="0"/>
               </a:rPr>
               <a:t>Linux Mint 20 (may need to install </a:t>
             </a:r>
             <a:r>
-              <a:rPr lang="en-US" dirty="0" err="1">
+              <a:rPr lang="en-US" sz="2000" dirty="0" err="1">
                 <a:latin typeface="Fira Code" panose="020B0809050000020004" pitchFamily="49" charset="0"/>
                 <a:ea typeface="Fira Code" panose="020B0809050000020004" pitchFamily="49" charset="0"/>
               </a:rPr>
               <a:t>magick</a:t>
             </a:r>
             <a:r>
-              <a:rPr lang="en-US" dirty="0">
+              <a:rPr lang="en-US" sz="2000" dirty="0">
                 <a:latin typeface="Fira Code" panose="020B0809050000020004" pitchFamily="49" charset="0"/>
                 <a:ea typeface="Fira Code" panose="020B0809050000020004" pitchFamily="49" charset="0"/>
               </a:rPr>
-              <a:t>++ with apt</a:t>
+              <a:t>++ with apt)</a:t>
             </a:r>
           </a:p>
           <a:p>
             <a:pPr lvl="1"/>
             <a:r>
-              <a:rPr lang="en-US" dirty="0">
+              <a:rPr lang="en-US" sz="2000" dirty="0">
                 <a:latin typeface="Fira Code" panose="020B0809050000020004" pitchFamily="49" charset="0"/>
                 <a:ea typeface="Fira Code" panose="020B0809050000020004" pitchFamily="49" charset="0"/>
               </a:rPr>
@@ -3957,7 +4745,7 @@
 </p:sld>
 </file>
 
-<file path=ppt/slides/slide4.xml><?xml version="1.0" encoding="utf-8"?>
+<file path=ppt/slides/slide6.xml><?xml version="1.0" encoding="utf-8"?>
 <p:sld xmlns:a="http://schemas.openxmlformats.org/drawingml/2006/main" xmlns:r="http://schemas.openxmlformats.org/officeDocument/2006/relationships" xmlns:p="http://schemas.openxmlformats.org/presentationml/2006/main">
   <p:cSld>
     <p:spTree>
@@ -4019,7 +4807,7 @@
 </p:sld>
 </file>
 
-<file path=ppt/slides/slide5.xml><?xml version="1.0" encoding="utf-8"?>
+<file path=ppt/slides/slide7.xml><?xml version="1.0" encoding="utf-8"?>
 <p:sld xmlns:a="http://schemas.openxmlformats.org/drawingml/2006/main" xmlns:r="http://schemas.openxmlformats.org/officeDocument/2006/relationships" xmlns:p="http://schemas.openxmlformats.org/presentationml/2006/main">
   <p:cSld>
     <p:spTree>
@@ -4089,7 +4877,7 @@
 </p:sld>
 </file>
 
-<file path=ppt/slides/slide6.xml><?xml version="1.0" encoding="utf-8"?>
+<file path=ppt/slides/slide8.xml><?xml version="1.0" encoding="utf-8"?>
 <p:sld xmlns:a="http://schemas.openxmlformats.org/drawingml/2006/main" xmlns:r="http://schemas.openxmlformats.org/officeDocument/2006/relationships" xmlns:p="http://schemas.openxmlformats.org/presentationml/2006/main">
   <p:cSld>
     <p:spTree>
@@ -4159,7 +4947,7 @@
 </p:sld>
 </file>
 
-<file path=ppt/slides/slide7.xml><?xml version="1.0" encoding="utf-8"?>
+<file path=ppt/slides/slide9.xml><?xml version="1.0" encoding="utf-8"?>
 <p:sld xmlns:a="http://schemas.openxmlformats.org/drawingml/2006/main" xmlns:r="http://schemas.openxmlformats.org/officeDocument/2006/relationships" xmlns:p="http://schemas.openxmlformats.org/presentationml/2006/main">
   <p:cSld>
     <p:spTree>
@@ -4220,138 +5008,6 @@
     <p:extLst>
       <p:ext uri="{BB962C8B-B14F-4D97-AF65-F5344CB8AC3E}">
         <p14:creationId xmlns:p14="http://schemas.microsoft.com/office/powerpoint/2010/main" val="1124706888"/>
-      </p:ext>
-    </p:extLst>
-  </p:cSld>
-  <p:clrMapOvr>
-    <a:masterClrMapping/>
-  </p:clrMapOvr>
-</p:sld>
-</file>
-
-<file path=ppt/slides/slide8.xml><?xml version="1.0" encoding="utf-8"?>
-<p:sld xmlns:a="http://schemas.openxmlformats.org/drawingml/2006/main" xmlns:r="http://schemas.openxmlformats.org/officeDocument/2006/relationships" xmlns:p="http://schemas.openxmlformats.org/presentationml/2006/main">
-  <p:cSld>
-    <p:spTree>
-      <p:nvGrpSpPr>
-        <p:cNvPr id="1" name=""/>
-        <p:cNvGrpSpPr/>
-        <p:nvPr/>
-      </p:nvGrpSpPr>
-      <p:grpSpPr>
-        <a:xfrm>
-          <a:off x="0" y="0"/>
-          <a:ext cx="0" cy="0"/>
-          <a:chOff x="0" y="0"/>
-          <a:chExt cx="0" cy="0"/>
-        </a:xfrm>
-      </p:grpSpPr>
-      <p:pic>
-        <p:nvPicPr>
-          <p:cNvPr id="3" name="Picture 2">
-            <a:extLst>
-              <a:ext uri="{FF2B5EF4-FFF2-40B4-BE49-F238E27FC236}">
-                <a16:creationId xmlns:a16="http://schemas.microsoft.com/office/drawing/2014/main" id="{9D1D65C0-B6F0-4FAD-B543-4A6251E7D927}"/>
-              </a:ext>
-            </a:extLst>
-          </p:cNvPr>
-          <p:cNvPicPr>
-            <a:picLocks noChangeAspect="1"/>
-          </p:cNvPicPr>
-          <p:nvPr/>
-        </p:nvPicPr>
-        <p:blipFill>
-          <a:blip r:embed="rId2"/>
-          <a:stretch>
-            <a:fillRect/>
-          </a:stretch>
-        </p:blipFill>
-        <p:spPr>
-          <a:xfrm>
-            <a:off x="2002582" y="193901"/>
-            <a:ext cx="8186835" cy="6061407"/>
-          </a:xfrm>
-          <a:prstGeom prst="rect">
-            <a:avLst/>
-          </a:prstGeom>
-          <a:ln>
-            <a:noFill/>
-          </a:ln>
-          <a:effectLst>
-            <a:outerShdw blurRad="292100" dist="139700" dir="2700000" algn="tl" rotWithShape="0">
-              <a:srgbClr val="333333">
-                <a:alpha val="65000"/>
-              </a:srgbClr>
-            </a:outerShdw>
-          </a:effectLst>
-        </p:spPr>
-      </p:pic>
-    </p:spTree>
-    <p:extLst>
-      <p:ext uri="{BB962C8B-B14F-4D97-AF65-F5344CB8AC3E}">
-        <p14:creationId xmlns:p14="http://schemas.microsoft.com/office/powerpoint/2010/main" val="3612856484"/>
-      </p:ext>
-    </p:extLst>
-  </p:cSld>
-  <p:clrMapOvr>
-    <a:masterClrMapping/>
-  </p:clrMapOvr>
-</p:sld>
-</file>
-
-<file path=ppt/slides/slide9.xml><?xml version="1.0" encoding="utf-8"?>
-<p:sld xmlns:a="http://schemas.openxmlformats.org/drawingml/2006/main" xmlns:r="http://schemas.openxmlformats.org/officeDocument/2006/relationships" xmlns:p="http://schemas.openxmlformats.org/presentationml/2006/main">
-  <p:cSld>
-    <p:spTree>
-      <p:nvGrpSpPr>
-        <p:cNvPr id="1" name=""/>
-        <p:cNvGrpSpPr/>
-        <p:nvPr/>
-      </p:nvGrpSpPr>
-      <p:grpSpPr>
-        <a:xfrm>
-          <a:off x="0" y="0"/>
-          <a:ext cx="0" cy="0"/>
-          <a:chOff x="0" y="0"/>
-          <a:chExt cx="0" cy="0"/>
-        </a:xfrm>
-      </p:grpSpPr>
-      <p:pic>
-        <p:nvPicPr>
-          <p:cNvPr id="4" name="Content Placeholder 3">
-            <a:extLst>
-              <a:ext uri="{FF2B5EF4-FFF2-40B4-BE49-F238E27FC236}">
-                <a16:creationId xmlns:a16="http://schemas.microsoft.com/office/drawing/2014/main" id="{648E0CFB-EA5F-48C5-9F54-34FDBF15270B}"/>
-              </a:ext>
-            </a:extLst>
-          </p:cNvPr>
-          <p:cNvPicPr>
-            <a:picLocks noGrp="1" noChangeAspect="1"/>
-          </p:cNvPicPr>
-          <p:nvPr>
-            <p:ph idx="1"/>
-          </p:nvPr>
-        </p:nvPicPr>
-        <p:blipFill>
-          <a:blip r:embed="rId2"/>
-          <a:stretch>
-            <a:fillRect/>
-          </a:stretch>
-        </p:blipFill>
-        <p:spPr>
-          <a:xfrm>
-            <a:off x="1881059" y="459226"/>
-            <a:ext cx="8429881" cy="5416031"/>
-          </a:xfrm>
-          <a:prstGeom prst="rect">
-            <a:avLst/>
-          </a:prstGeom>
-        </p:spPr>
-      </p:pic>
-    </p:spTree>
-    <p:extLst>
-      <p:ext uri="{BB962C8B-B14F-4D97-AF65-F5344CB8AC3E}">
-        <p14:creationId xmlns:p14="http://schemas.microsoft.com/office/powerpoint/2010/main" val="1903322141"/>
       </p:ext>
     </p:extLst>
   </p:cSld>
